--- a/marketing website/img/pictures.pptx
+++ b/marketing website/img/pictures.pptx
@@ -8,6 +8,7 @@
     <p:sldId id="256" r:id="rId2"/>
     <p:sldId id="257" r:id="rId3"/>
     <p:sldId id="258" r:id="rId4"/>
+    <p:sldId id="259" r:id="rId5"/>
   </p:sldIdLst>
   <p:sldSz cx="12192000" cy="6858000"/>
   <p:notesSz cx="6858000" cy="9144000"/>
@@ -261,7 +262,7 @@
           <a:p>
             <a:fld id="{B259BA5D-F0B8-425E-AF10-10BFF3D8B2AB}" type="datetimeFigureOut">
               <a:rPr lang="en-US" smtClean="0"/>
-              <a:t>12/10/2024</a:t>
+              <a:t>12/18/2024</a:t>
             </a:fld>
             <a:endParaRPr lang="en-US"/>
           </a:p>
@@ -459,7 +460,7 @@
           <a:p>
             <a:fld id="{B259BA5D-F0B8-425E-AF10-10BFF3D8B2AB}" type="datetimeFigureOut">
               <a:rPr lang="en-US" smtClean="0"/>
-              <a:t>12/10/2024</a:t>
+              <a:t>12/18/2024</a:t>
             </a:fld>
             <a:endParaRPr lang="en-US"/>
           </a:p>
@@ -667,7 +668,7 @@
           <a:p>
             <a:fld id="{B259BA5D-F0B8-425E-AF10-10BFF3D8B2AB}" type="datetimeFigureOut">
               <a:rPr lang="en-US" smtClean="0"/>
-              <a:t>12/10/2024</a:t>
+              <a:t>12/18/2024</a:t>
             </a:fld>
             <a:endParaRPr lang="en-US"/>
           </a:p>
@@ -865,7 +866,7 @@
           <a:p>
             <a:fld id="{B259BA5D-F0B8-425E-AF10-10BFF3D8B2AB}" type="datetimeFigureOut">
               <a:rPr lang="en-US" smtClean="0"/>
-              <a:t>12/10/2024</a:t>
+              <a:t>12/18/2024</a:t>
             </a:fld>
             <a:endParaRPr lang="en-US"/>
           </a:p>
@@ -1140,7 +1141,7 @@
           <a:p>
             <a:fld id="{B259BA5D-F0B8-425E-AF10-10BFF3D8B2AB}" type="datetimeFigureOut">
               <a:rPr lang="en-US" smtClean="0"/>
-              <a:t>12/10/2024</a:t>
+              <a:t>12/18/2024</a:t>
             </a:fld>
             <a:endParaRPr lang="en-US"/>
           </a:p>
@@ -1405,7 +1406,7 @@
           <a:p>
             <a:fld id="{B259BA5D-F0B8-425E-AF10-10BFF3D8B2AB}" type="datetimeFigureOut">
               <a:rPr lang="en-US" smtClean="0"/>
-              <a:t>12/10/2024</a:t>
+              <a:t>12/18/2024</a:t>
             </a:fld>
             <a:endParaRPr lang="en-US"/>
           </a:p>
@@ -1817,7 +1818,7 @@
           <a:p>
             <a:fld id="{B259BA5D-F0B8-425E-AF10-10BFF3D8B2AB}" type="datetimeFigureOut">
               <a:rPr lang="en-US" smtClean="0"/>
-              <a:t>12/10/2024</a:t>
+              <a:t>12/18/2024</a:t>
             </a:fld>
             <a:endParaRPr lang="en-US"/>
           </a:p>
@@ -1958,7 +1959,7 @@
           <a:p>
             <a:fld id="{B259BA5D-F0B8-425E-AF10-10BFF3D8B2AB}" type="datetimeFigureOut">
               <a:rPr lang="en-US" smtClean="0"/>
-              <a:t>12/10/2024</a:t>
+              <a:t>12/18/2024</a:t>
             </a:fld>
             <a:endParaRPr lang="en-US"/>
           </a:p>
@@ -2071,7 +2072,7 @@
           <a:p>
             <a:fld id="{B259BA5D-F0B8-425E-AF10-10BFF3D8B2AB}" type="datetimeFigureOut">
               <a:rPr lang="en-US" smtClean="0"/>
-              <a:t>12/10/2024</a:t>
+              <a:t>12/18/2024</a:t>
             </a:fld>
             <a:endParaRPr lang="en-US"/>
           </a:p>
@@ -2382,7 +2383,7 @@
           <a:p>
             <a:fld id="{B259BA5D-F0B8-425E-AF10-10BFF3D8B2AB}" type="datetimeFigureOut">
               <a:rPr lang="en-US" smtClean="0"/>
-              <a:t>12/10/2024</a:t>
+              <a:t>12/18/2024</a:t>
             </a:fld>
             <a:endParaRPr lang="en-US"/>
           </a:p>
@@ -2670,7 +2671,7 @@
           <a:p>
             <a:fld id="{B259BA5D-F0B8-425E-AF10-10BFF3D8B2AB}" type="datetimeFigureOut">
               <a:rPr lang="en-US" smtClean="0"/>
-              <a:t>12/10/2024</a:t>
+              <a:t>12/18/2024</a:t>
             </a:fld>
             <a:endParaRPr lang="en-US"/>
           </a:p>
@@ -2911,7 +2912,7 @@
           <a:p>
             <a:fld id="{B259BA5D-F0B8-425E-AF10-10BFF3D8B2AB}" type="datetimeFigureOut">
               <a:rPr lang="en-US" smtClean="0"/>
-              <a:t>12/10/2024</a:t>
+              <a:t>12/18/2024</a:t>
             </a:fld>
             <a:endParaRPr lang="en-US"/>
           </a:p>
@@ -3394,6 +3395,14 @@
 <file path=ppt/slides/slide2.xml><?xml version="1.0" encoding="utf-8"?>
 <p:sld xmlns:a="http://schemas.openxmlformats.org/drawingml/2006/main" xmlns:r="http://schemas.openxmlformats.org/officeDocument/2006/relationships" xmlns:p="http://schemas.openxmlformats.org/presentationml/2006/main">
   <p:cSld>
+    <p:bg>
+      <p:bgPr>
+        <a:solidFill>
+          <a:schemeClr val="bg1"/>
+        </a:solidFill>
+        <a:effectLst/>
+      </p:bgPr>
+    </p:bg>
     <p:spTree>
       <p:nvGrpSpPr>
         <p:cNvPr id="1" name=""/>
@@ -3408,6 +3417,160 @@
           <a:chExt cx="0" cy="0"/>
         </a:xfrm>
       </p:grpSpPr>
+      <p:sp useBgFill="1">
+        <p:nvSpPr>
+          <p:cNvPr id="13" name="Rectangle 12">
+            <a:extLst>
+              <a:ext uri="{FF2B5EF4-FFF2-40B4-BE49-F238E27FC236}">
+                <a16:creationId xmlns:a16="http://schemas.microsoft.com/office/drawing/2014/main" id="{4F7B9026-36AD-42E4-B172-8D68F3A339B4}"/>
+              </a:ext>
+              <a:ext uri="{C183D7F6-B498-43B3-948B-1728B52AA6E4}">
+                <adec:decorative xmlns:adec="http://schemas.microsoft.com/office/drawing/2017/decorative" val="1"/>
+              </a:ext>
+            </a:extLst>
+          </p:cNvPr>
+          <p:cNvSpPr>
+            <a:spLocks noGrp="1" noRot="1" noChangeAspect="1" noMove="1" noResize="1" noEditPoints="1" noAdjustHandles="1" noChangeArrowheads="1" noChangeShapeType="1" noTextEdit="1"/>
+          </p:cNvSpPr>
+          <p:nvPr>
+            <p:extLst>
+              <p:ext uri="{386F3935-93C4-4BCD-93E2-E3B085C9AB24}">
+                <p16:designElem xmlns:p16="http://schemas.microsoft.com/office/powerpoint/2015/main" val="1"/>
+              </p:ext>
+            </p:extLst>
+          </p:nvPr>
+        </p:nvSpPr>
+        <p:spPr bwMode="white">
+          <a:xfrm>
+            <a:off x="1524" y="0"/>
+            <a:ext cx="12188952" cy="6858000"/>
+          </a:xfrm>
+          <a:prstGeom prst="rect">
+            <a:avLst/>
+          </a:prstGeom>
+          <a:ln>
+            <a:noFill/>
+          </a:ln>
+        </p:spPr>
+        <p:style>
+          <a:lnRef idx="2">
+            <a:schemeClr val="accent1">
+              <a:shade val="50000"/>
+            </a:schemeClr>
+          </a:lnRef>
+          <a:fillRef idx="1">
+            <a:schemeClr val="accent1"/>
+          </a:fillRef>
+          <a:effectRef idx="0">
+            <a:schemeClr val="accent1"/>
+          </a:effectRef>
+          <a:fontRef idx="minor">
+            <a:schemeClr val="lt1"/>
+          </a:fontRef>
+        </p:style>
+        <p:txBody>
+          <a:bodyPr rtlCol="0" anchor="ctr"/>
+          <a:lstStyle>
+            <a:defPPr>
+              <a:defRPr lang="en-US"/>
+            </a:defPPr>
+            <a:lvl1pPr marL="0" algn="l" defTabSz="914400" rtl="0" eaLnBrk="1" latinLnBrk="0" hangingPunct="1">
+              <a:defRPr sz="1800" kern="1200">
+                <a:solidFill>
+                  <a:schemeClr val="lt1"/>
+                </a:solidFill>
+                <a:latin typeface="+mn-lt"/>
+                <a:ea typeface="+mn-ea"/>
+                <a:cs typeface="+mn-cs"/>
+              </a:defRPr>
+            </a:lvl1pPr>
+            <a:lvl2pPr marL="457200" algn="l" defTabSz="914400" rtl="0" eaLnBrk="1" latinLnBrk="0" hangingPunct="1">
+              <a:defRPr sz="1800" kern="1200">
+                <a:solidFill>
+                  <a:schemeClr val="lt1"/>
+                </a:solidFill>
+                <a:latin typeface="+mn-lt"/>
+                <a:ea typeface="+mn-ea"/>
+                <a:cs typeface="+mn-cs"/>
+              </a:defRPr>
+            </a:lvl2pPr>
+            <a:lvl3pPr marL="914400" algn="l" defTabSz="914400" rtl="0" eaLnBrk="1" latinLnBrk="0" hangingPunct="1">
+              <a:defRPr sz="1800" kern="1200">
+                <a:solidFill>
+                  <a:schemeClr val="lt1"/>
+                </a:solidFill>
+                <a:latin typeface="+mn-lt"/>
+                <a:ea typeface="+mn-ea"/>
+                <a:cs typeface="+mn-cs"/>
+              </a:defRPr>
+            </a:lvl3pPr>
+            <a:lvl4pPr marL="1371600" algn="l" defTabSz="914400" rtl="0" eaLnBrk="1" latinLnBrk="0" hangingPunct="1">
+              <a:defRPr sz="1800" kern="1200">
+                <a:solidFill>
+                  <a:schemeClr val="lt1"/>
+                </a:solidFill>
+                <a:latin typeface="+mn-lt"/>
+                <a:ea typeface="+mn-ea"/>
+                <a:cs typeface="+mn-cs"/>
+              </a:defRPr>
+            </a:lvl4pPr>
+            <a:lvl5pPr marL="1828800" algn="l" defTabSz="914400" rtl="0" eaLnBrk="1" latinLnBrk="0" hangingPunct="1">
+              <a:defRPr sz="1800" kern="1200">
+                <a:solidFill>
+                  <a:schemeClr val="lt1"/>
+                </a:solidFill>
+                <a:latin typeface="+mn-lt"/>
+                <a:ea typeface="+mn-ea"/>
+                <a:cs typeface="+mn-cs"/>
+              </a:defRPr>
+            </a:lvl5pPr>
+            <a:lvl6pPr marL="2286000" algn="l" defTabSz="914400" rtl="0" eaLnBrk="1" latinLnBrk="0" hangingPunct="1">
+              <a:defRPr sz="1800" kern="1200">
+                <a:solidFill>
+                  <a:schemeClr val="lt1"/>
+                </a:solidFill>
+                <a:latin typeface="+mn-lt"/>
+                <a:ea typeface="+mn-ea"/>
+                <a:cs typeface="+mn-cs"/>
+              </a:defRPr>
+            </a:lvl6pPr>
+            <a:lvl7pPr marL="2743200" algn="l" defTabSz="914400" rtl="0" eaLnBrk="1" latinLnBrk="0" hangingPunct="1">
+              <a:defRPr sz="1800" kern="1200">
+                <a:solidFill>
+                  <a:schemeClr val="lt1"/>
+                </a:solidFill>
+                <a:latin typeface="+mn-lt"/>
+                <a:ea typeface="+mn-ea"/>
+                <a:cs typeface="+mn-cs"/>
+              </a:defRPr>
+            </a:lvl7pPr>
+            <a:lvl8pPr marL="3200400" algn="l" defTabSz="914400" rtl="0" eaLnBrk="1" latinLnBrk="0" hangingPunct="1">
+              <a:defRPr sz="1800" kern="1200">
+                <a:solidFill>
+                  <a:schemeClr val="lt1"/>
+                </a:solidFill>
+                <a:latin typeface="+mn-lt"/>
+                <a:ea typeface="+mn-ea"/>
+                <a:cs typeface="+mn-cs"/>
+              </a:defRPr>
+            </a:lvl8pPr>
+            <a:lvl9pPr marL="3657600" algn="l" defTabSz="914400" rtl="0" eaLnBrk="1" latinLnBrk="0" hangingPunct="1">
+              <a:defRPr sz="1800" kern="1200">
+                <a:solidFill>
+                  <a:schemeClr val="lt1"/>
+                </a:solidFill>
+                <a:latin typeface="+mn-lt"/>
+                <a:ea typeface="+mn-ea"/>
+                <a:cs typeface="+mn-cs"/>
+              </a:defRPr>
+            </a:lvl9pPr>
+          </a:lstStyle>
+          <a:p>
+            <a:pPr algn="ctr"/>
+            <a:endParaRPr lang="en-US"/>
+          </a:p>
+        </p:txBody>
+      </p:sp>
       <p:pic>
         <p:nvPicPr>
           <p:cNvPr id="3" name="Picture 2">
@@ -3430,14 +3593,48 @@
               </a:ext>
             </a:extLst>
           </a:blip>
-          <a:stretch>
-            <a:fillRect/>
-          </a:stretch>
+          <a:srcRect t="12002" r="-3" b="763"/>
+          <a:stretch/>
         </p:blipFill>
         <p:spPr>
           <a:xfrm rot="16200000">
-            <a:off x="2667000" y="1143000"/>
-            <a:ext cx="6858000" cy="4572000"/>
+            <a:off x="-1168120" y="1532364"/>
+            <a:ext cx="6514565" cy="3793268"/>
+          </a:xfrm>
+          <a:prstGeom prst="rect">
+            <a:avLst/>
+          </a:prstGeom>
+        </p:spPr>
+      </p:pic>
+      <p:pic>
+        <p:nvPicPr>
+          <p:cNvPr id="8" name="Picture 7">
+            <a:extLst>
+              <a:ext uri="{FF2B5EF4-FFF2-40B4-BE49-F238E27FC236}">
+                <a16:creationId xmlns:a16="http://schemas.microsoft.com/office/drawing/2014/main" id="{AEAF7AA1-ACBE-4BF9-B214-30717A9CE098}"/>
+              </a:ext>
+            </a:extLst>
+          </p:cNvPr>
+          <p:cNvPicPr>
+            <a:picLocks noChangeAspect="1"/>
+          </p:cNvPicPr>
+          <p:nvPr/>
+        </p:nvPicPr>
+        <p:blipFill>
+          <a:blip r:embed="rId3">
+            <a:extLst>
+              <a:ext uri="{28A0092B-C50C-407E-A947-70E740481C1C}">
+                <a14:useLocalDpi xmlns:a14="http://schemas.microsoft.com/office/drawing/2010/main" val="0"/>
+              </a:ext>
+            </a:extLst>
+          </a:blip>
+          <a:srcRect t="6418" r="-3" b="5666"/>
+          <a:stretch/>
+        </p:blipFill>
+        <p:spPr>
+          <a:xfrm rot="16200000">
+            <a:off x="2838717" y="1517536"/>
+            <a:ext cx="6514565" cy="3822924"/>
           </a:xfrm>
           <a:prstGeom prst="rect">
             <a:avLst/>
@@ -3459,57 +3656,20 @@
           <p:nvPr/>
         </p:nvPicPr>
         <p:blipFill>
-          <a:blip r:embed="rId3">
+          <a:blip r:embed="rId4">
             <a:extLst>
               <a:ext uri="{28A0092B-C50C-407E-A947-70E740481C1C}">
                 <a14:useLocalDpi xmlns:a14="http://schemas.microsoft.com/office/drawing/2010/main" val="0"/>
               </a:ext>
             </a:extLst>
           </a:blip>
-          <a:stretch>
-            <a:fillRect/>
-          </a:stretch>
+          <a:srcRect l="22593" r="19090" b="-3"/>
+          <a:stretch/>
         </p:blipFill>
         <p:spPr>
           <a:xfrm>
-            <a:off x="2817000" y="150000"/>
-            <a:ext cx="6858000" cy="6858000"/>
-          </a:xfrm>
-          <a:prstGeom prst="rect">
-            <a:avLst/>
-          </a:prstGeom>
-        </p:spPr>
-      </p:pic>
-      <p:pic>
-        <p:nvPicPr>
-          <p:cNvPr id="8" name="Picture 7">
-            <a:extLst>
-              <a:ext uri="{FF2B5EF4-FFF2-40B4-BE49-F238E27FC236}">
-                <a16:creationId xmlns:a16="http://schemas.microsoft.com/office/drawing/2014/main" id="{AEAF7AA1-ACBE-4BF9-B214-30717A9CE098}"/>
-              </a:ext>
-            </a:extLst>
-          </p:cNvPr>
-          <p:cNvPicPr>
-            <a:picLocks noChangeAspect="1"/>
-          </p:cNvPicPr>
-          <p:nvPr/>
-        </p:nvPicPr>
-        <p:blipFill>
-          <a:blip r:embed="rId4">
-            <a:extLst>
-              <a:ext uri="{28A0092B-C50C-407E-A947-70E740481C1C}">
-                <a14:useLocalDpi xmlns:a14="http://schemas.microsoft.com/office/drawing/2010/main" val="0"/>
-              </a:ext>
-            </a:extLst>
-          </a:blip>
-          <a:stretch>
-            <a:fillRect/>
-          </a:stretch>
-        </p:blipFill>
-        <p:spPr>
-          <a:xfrm rot="16200000">
-            <a:off x="2967000" y="1443000"/>
-            <a:ext cx="6858000" cy="4572000"/>
+            <a:off x="8188032" y="171716"/>
+            <a:ext cx="3799007" cy="6514565"/>
           </a:xfrm>
           <a:prstGeom prst="rect">
             <a:avLst/>
@@ -3532,6 +3692,14 @@
 <file path=ppt/slides/slide3.xml><?xml version="1.0" encoding="utf-8"?>
 <p:sld xmlns:a="http://schemas.openxmlformats.org/drawingml/2006/main" xmlns:r="http://schemas.openxmlformats.org/officeDocument/2006/relationships" xmlns:p="http://schemas.openxmlformats.org/presentationml/2006/main">
   <p:cSld>
+    <p:bg>
+      <p:bgPr>
+        <a:solidFill>
+          <a:schemeClr val="bg1"/>
+        </a:solidFill>
+        <a:effectLst/>
+      </p:bgPr>
+    </p:bg>
     <p:spTree>
       <p:nvGrpSpPr>
         <p:cNvPr id="1" name=""/>
@@ -3548,10 +3716,10 @@
       </p:grpSpPr>
       <p:pic>
         <p:nvPicPr>
-          <p:cNvPr id="3" name="Picture 2">
-            <a:extLst>
-              <a:ext uri="{FF2B5EF4-FFF2-40B4-BE49-F238E27FC236}">
-                <a16:creationId xmlns:a16="http://schemas.microsoft.com/office/drawing/2014/main" id="{1C82731E-A7AC-46A5-BC2D-05257516A56B}"/>
+          <p:cNvPr id="8" name="Picture 7">
+            <a:extLst>
+              <a:ext uri="{FF2B5EF4-FFF2-40B4-BE49-F238E27FC236}">
+                <a16:creationId xmlns:a16="http://schemas.microsoft.com/office/drawing/2014/main" id="{AEAF7AA1-ACBE-4BF9-B214-30717A9CE098}"/>
               </a:ext>
             </a:extLst>
           </p:cNvPr>
@@ -3568,19 +3736,71 @@
               </a:ext>
             </a:extLst>
           </a:blip>
-          <a:srcRect l="32778"/>
+          <a:srcRect l="30001" r="2777"/>
           <a:stretch/>
         </p:blipFill>
         <p:spPr>
           <a:xfrm rot="16200000">
-            <a:off x="3309366" y="19047"/>
-            <a:ext cx="4610100" cy="4572000"/>
+            <a:off x="472199" y="1667367"/>
+            <a:ext cx="3541986" cy="3517119"/>
           </a:xfrm>
           <a:prstGeom prst="rect">
             <a:avLst/>
           </a:prstGeom>
         </p:spPr>
       </p:pic>
+      <p:cxnSp>
+        <p:nvCxnSpPr>
+          <p:cNvPr id="13" name="Straight Connector 12">
+            <a:extLst>
+              <a:ext uri="{FF2B5EF4-FFF2-40B4-BE49-F238E27FC236}">
+                <a16:creationId xmlns:a16="http://schemas.microsoft.com/office/drawing/2014/main" id="{DCD67800-37AC-4E14-89B0-F79DCB3FB86D}"/>
+              </a:ext>
+              <a:ext uri="{C183D7F6-B498-43B3-948B-1728B52AA6E4}">
+                <adec:decorative xmlns:adec="http://schemas.microsoft.com/office/drawing/2017/decorative" val="1"/>
+              </a:ext>
+            </a:extLst>
+          </p:cNvPr>
+          <p:cNvCxnSpPr>
+            <a:cxnSpLocks noGrp="1" noRot="1" noChangeAspect="1" noMove="1" noResize="1" noEditPoints="1" noAdjustHandles="1" noChangeArrowheads="1" noChangeShapeType="1"/>
+          </p:cNvCxnSpPr>
+          <p:nvPr>
+            <p:extLst>
+              <p:ext uri="{386F3935-93C4-4BCD-93E2-E3B085C9AB24}">
+                <p16:designElem xmlns:p16="http://schemas.microsoft.com/office/powerpoint/2015/main" val="1"/>
+              </p:ext>
+            </p:extLst>
+          </p:nvPr>
+        </p:nvCxnSpPr>
+        <p:spPr>
+          <a:xfrm>
+            <a:off x="4165600" y="1573887"/>
+            <a:ext cx="0" cy="3710227"/>
+          </a:xfrm>
+          <a:prstGeom prst="line">
+            <a:avLst/>
+          </a:prstGeom>
+          <a:ln w="19050">
+            <a:solidFill>
+              <a:srgbClr val="7F7F7F"/>
+            </a:solidFill>
+          </a:ln>
+        </p:spPr>
+        <p:style>
+          <a:lnRef idx="1">
+            <a:schemeClr val="accent1"/>
+          </a:lnRef>
+          <a:fillRef idx="0">
+            <a:schemeClr val="accent1"/>
+          </a:fillRef>
+          <a:effectRef idx="0">
+            <a:schemeClr val="accent1"/>
+          </a:effectRef>
+          <a:fontRef idx="minor">
+            <a:schemeClr val="tx1"/>
+          </a:fontRef>
+        </p:style>
+      </p:cxnSp>
       <p:pic>
         <p:nvPicPr>
           <p:cNvPr id="6" name="Picture 5">
@@ -3609,20 +3829,72 @@
         </p:blipFill>
         <p:spPr>
           <a:xfrm>
-            <a:off x="7900416" y="0"/>
-            <a:ext cx="4291584" cy="4291584"/>
+            <a:off x="4310676" y="1657254"/>
+            <a:ext cx="3537345" cy="3537345"/>
           </a:xfrm>
           <a:prstGeom prst="rect">
             <a:avLst/>
           </a:prstGeom>
         </p:spPr>
       </p:pic>
+      <p:cxnSp>
+        <p:nvCxnSpPr>
+          <p:cNvPr id="15" name="Straight Connector 14">
+            <a:extLst>
+              <a:ext uri="{FF2B5EF4-FFF2-40B4-BE49-F238E27FC236}">
+                <a16:creationId xmlns:a16="http://schemas.microsoft.com/office/drawing/2014/main" id="{20F1788F-A5AE-4188-8274-F7F2E3833ECD}"/>
+              </a:ext>
+              <a:ext uri="{C183D7F6-B498-43B3-948B-1728B52AA6E4}">
+                <adec:decorative xmlns:adec="http://schemas.microsoft.com/office/drawing/2017/decorative" val="1"/>
+              </a:ext>
+            </a:extLst>
+          </p:cNvPr>
+          <p:cNvCxnSpPr>
+            <a:cxnSpLocks noGrp="1" noRot="1" noChangeAspect="1" noMove="1" noResize="1" noEditPoints="1" noAdjustHandles="1" noChangeArrowheads="1" noChangeShapeType="1"/>
+          </p:cNvCxnSpPr>
+          <p:nvPr>
+            <p:extLst>
+              <p:ext uri="{386F3935-93C4-4BCD-93E2-E3B085C9AB24}">
+                <p16:designElem xmlns:p16="http://schemas.microsoft.com/office/powerpoint/2015/main" val="1"/>
+              </p:ext>
+            </p:extLst>
+          </p:nvPr>
+        </p:nvCxnSpPr>
+        <p:spPr>
+          <a:xfrm>
+            <a:off x="7995920" y="1573887"/>
+            <a:ext cx="0" cy="3710227"/>
+          </a:xfrm>
+          <a:prstGeom prst="line">
+            <a:avLst/>
+          </a:prstGeom>
+          <a:ln w="19050">
+            <a:solidFill>
+              <a:srgbClr val="7F7F7F"/>
+            </a:solidFill>
+          </a:ln>
+        </p:spPr>
+        <p:style>
+          <a:lnRef idx="1">
+            <a:schemeClr val="accent1"/>
+          </a:lnRef>
+          <a:fillRef idx="0">
+            <a:schemeClr val="accent1"/>
+          </a:fillRef>
+          <a:effectRef idx="0">
+            <a:schemeClr val="accent1"/>
+          </a:effectRef>
+          <a:fontRef idx="minor">
+            <a:schemeClr val="tx1"/>
+          </a:fontRef>
+        </p:style>
+      </p:cxnSp>
       <p:pic>
         <p:nvPicPr>
-          <p:cNvPr id="8" name="Picture 7">
-            <a:extLst>
-              <a:ext uri="{FF2B5EF4-FFF2-40B4-BE49-F238E27FC236}">
-                <a16:creationId xmlns:a16="http://schemas.microsoft.com/office/drawing/2014/main" id="{AEAF7AA1-ACBE-4BF9-B214-30717A9CE098}"/>
+          <p:cNvPr id="3" name="Picture 2">
+            <a:extLst>
+              <a:ext uri="{FF2B5EF4-FFF2-40B4-BE49-F238E27FC236}">
+                <a16:creationId xmlns:a16="http://schemas.microsoft.com/office/drawing/2014/main" id="{1C82731E-A7AC-46A5-BC2D-05257516A56B}"/>
               </a:ext>
             </a:extLst>
           </p:cNvPr>
@@ -3639,13 +3911,13 @@
               </a:ext>
             </a:extLst>
           </a:blip>
-          <a:srcRect l="30001" r="2777"/>
+          <a:srcRect l="32778"/>
           <a:stretch/>
         </p:blipFill>
         <p:spPr>
           <a:xfrm rot="16200000">
-            <a:off x="1239264" y="844551"/>
-            <a:ext cx="4610101" cy="4572000"/>
+            <a:off x="8149900" y="1667368"/>
+            <a:ext cx="3541992" cy="3517120"/>
           </a:xfrm>
           <a:prstGeom prst="rect">
             <a:avLst/>
@@ -3656,6 +3928,142 @@
     <p:extLst>
       <p:ext uri="{BB962C8B-B14F-4D97-AF65-F5344CB8AC3E}">
         <p14:creationId xmlns:p14="http://schemas.microsoft.com/office/powerpoint/2010/main" val="2608095720"/>
+      </p:ext>
+    </p:extLst>
+  </p:cSld>
+  <p:clrMapOvr>
+    <a:masterClrMapping/>
+  </p:clrMapOvr>
+</p:sld>
+</file>
+
+<file path=ppt/slides/slide4.xml><?xml version="1.0" encoding="utf-8"?>
+<p:sld xmlns:a="http://schemas.openxmlformats.org/drawingml/2006/main" xmlns:r="http://schemas.openxmlformats.org/officeDocument/2006/relationships" xmlns:p="http://schemas.openxmlformats.org/presentationml/2006/main">
+  <p:cSld>
+    <p:spTree>
+      <p:nvGrpSpPr>
+        <p:cNvPr id="1" name=""/>
+        <p:cNvGrpSpPr/>
+        <p:nvPr/>
+      </p:nvGrpSpPr>
+      <p:grpSpPr>
+        <a:xfrm>
+          <a:off x="0" y="0"/>
+          <a:ext cx="0" cy="0"/>
+          <a:chOff x="0" y="0"/>
+          <a:chExt cx="0" cy="0"/>
+        </a:xfrm>
+      </p:grpSpPr>
+      <p:pic>
+        <p:nvPicPr>
+          <p:cNvPr id="4" name="Picture 3" descr="A row of books with different colored text&#10;&#10;Description automatically generated">
+            <a:extLst>
+              <a:ext uri="{FF2B5EF4-FFF2-40B4-BE49-F238E27FC236}">
+                <a16:creationId xmlns:a16="http://schemas.microsoft.com/office/drawing/2014/main" id="{91F0CE3B-048A-4964-A346-85017A4C8997}"/>
+              </a:ext>
+            </a:extLst>
+          </p:cNvPr>
+          <p:cNvPicPr>
+            <a:picLocks noChangeAspect="1"/>
+          </p:cNvPicPr>
+          <p:nvPr/>
+        </p:nvPicPr>
+        <p:blipFill rotWithShape="1">
+          <a:blip r:embed="rId2">
+            <a:extLst>
+              <a:ext uri="{28A0092B-C50C-407E-A947-70E740481C1C}">
+                <a14:useLocalDpi xmlns:a14="http://schemas.microsoft.com/office/drawing/2010/main" val="0"/>
+              </a:ext>
+            </a:extLst>
+          </a:blip>
+          <a:srcRect b="3113"/>
+          <a:stretch/>
+        </p:blipFill>
+        <p:spPr>
+          <a:xfrm>
+            <a:off x="5309615" y="1537894"/>
+            <a:ext cx="6048007" cy="3296086"/>
+          </a:xfrm>
+          <a:prstGeom prst="rect">
+            <a:avLst/>
+          </a:prstGeom>
+        </p:spPr>
+      </p:pic>
+      <p:pic>
+        <p:nvPicPr>
+          <p:cNvPr id="9" name="Picture 8">
+            <a:extLst>
+              <a:ext uri="{FF2B5EF4-FFF2-40B4-BE49-F238E27FC236}">
+                <a16:creationId xmlns:a16="http://schemas.microsoft.com/office/drawing/2014/main" id="{21F47E7D-A6E0-4EFE-8F55-2B96A18AFEBD}"/>
+              </a:ext>
+            </a:extLst>
+          </p:cNvPr>
+          <p:cNvPicPr>
+            <a:picLocks noChangeAspect="1"/>
+          </p:cNvPicPr>
+          <p:nvPr/>
+        </p:nvPicPr>
+        <p:blipFill>
+          <a:blip r:embed="rId3">
+            <a:extLst>
+              <a:ext uri="{28A0092B-C50C-407E-A947-70E740481C1C}">
+                <a14:useLocalDpi xmlns:a14="http://schemas.microsoft.com/office/drawing/2010/main" val="0"/>
+              </a:ext>
+            </a:extLst>
+          </a:blip>
+          <a:stretch>
+            <a:fillRect/>
+          </a:stretch>
+        </p:blipFill>
+        <p:spPr>
+          <a:xfrm>
+            <a:off x="1131205" y="2975316"/>
+            <a:ext cx="6048007" cy="3296086"/>
+          </a:xfrm>
+          <a:prstGeom prst="rect">
+            <a:avLst/>
+          </a:prstGeom>
+        </p:spPr>
+      </p:pic>
+      <p:pic>
+        <p:nvPicPr>
+          <p:cNvPr id="7" name="Picture 6" descr="A word cloud of success story&#10;&#10;Description automatically generated">
+            <a:extLst>
+              <a:ext uri="{FF2B5EF4-FFF2-40B4-BE49-F238E27FC236}">
+                <a16:creationId xmlns:a16="http://schemas.microsoft.com/office/drawing/2014/main" id="{B8278918-B54C-4928-9A66-618F1D3C629C}"/>
+              </a:ext>
+            </a:extLst>
+          </p:cNvPr>
+          <p:cNvPicPr>
+            <a:picLocks noChangeAspect="1"/>
+          </p:cNvPicPr>
+          <p:nvPr/>
+        </p:nvPicPr>
+        <p:blipFill rotWithShape="1">
+          <a:blip r:embed="rId4">
+            <a:extLst>
+              <a:ext uri="{28A0092B-C50C-407E-A947-70E740481C1C}">
+                <a14:useLocalDpi xmlns:a14="http://schemas.microsoft.com/office/drawing/2010/main" val="0"/>
+              </a:ext>
+            </a:extLst>
+          </a:blip>
+          <a:srcRect t="11745" b="19337"/>
+          <a:stretch/>
+        </p:blipFill>
+        <p:spPr>
+          <a:xfrm>
+            <a:off x="33925" y="586598"/>
+            <a:ext cx="6048007" cy="3296086"/>
+          </a:xfrm>
+          <a:prstGeom prst="rect">
+            <a:avLst/>
+          </a:prstGeom>
+        </p:spPr>
+      </p:pic>
+    </p:spTree>
+    <p:extLst>
+      <p:ext uri="{BB962C8B-B14F-4D97-AF65-F5344CB8AC3E}">
+        <p14:creationId xmlns:p14="http://schemas.microsoft.com/office/powerpoint/2010/main" val="1465147425"/>
       </p:ext>
     </p:extLst>
   </p:cSld>

--- a/marketing website/img/pictures.pptx
+++ b/marketing website/img/pictures.pptx
@@ -9,6 +9,7 @@
     <p:sldId id="257" r:id="rId3"/>
     <p:sldId id="258" r:id="rId4"/>
     <p:sldId id="259" r:id="rId5"/>
+    <p:sldId id="260" r:id="rId6"/>
   </p:sldIdLst>
   <p:sldSz cx="12192000" cy="6858000"/>
   <p:notesSz cx="6858000" cy="9144000"/>
@@ -262,7 +263,7 @@
           <a:p>
             <a:fld id="{B259BA5D-F0B8-425E-AF10-10BFF3D8B2AB}" type="datetimeFigureOut">
               <a:rPr lang="en-US" smtClean="0"/>
-              <a:t>12/18/2024</a:t>
+              <a:t>12/23/2024</a:t>
             </a:fld>
             <a:endParaRPr lang="en-US"/>
           </a:p>
@@ -460,7 +461,7 @@
           <a:p>
             <a:fld id="{B259BA5D-F0B8-425E-AF10-10BFF3D8B2AB}" type="datetimeFigureOut">
               <a:rPr lang="en-US" smtClean="0"/>
-              <a:t>12/18/2024</a:t>
+              <a:t>12/23/2024</a:t>
             </a:fld>
             <a:endParaRPr lang="en-US"/>
           </a:p>
@@ -668,7 +669,7 @@
           <a:p>
             <a:fld id="{B259BA5D-F0B8-425E-AF10-10BFF3D8B2AB}" type="datetimeFigureOut">
               <a:rPr lang="en-US" smtClean="0"/>
-              <a:t>12/18/2024</a:t>
+              <a:t>12/23/2024</a:t>
             </a:fld>
             <a:endParaRPr lang="en-US"/>
           </a:p>
@@ -866,7 +867,7 @@
           <a:p>
             <a:fld id="{B259BA5D-F0B8-425E-AF10-10BFF3D8B2AB}" type="datetimeFigureOut">
               <a:rPr lang="en-US" smtClean="0"/>
-              <a:t>12/18/2024</a:t>
+              <a:t>12/23/2024</a:t>
             </a:fld>
             <a:endParaRPr lang="en-US"/>
           </a:p>
@@ -1141,7 +1142,7 @@
           <a:p>
             <a:fld id="{B259BA5D-F0B8-425E-AF10-10BFF3D8B2AB}" type="datetimeFigureOut">
               <a:rPr lang="en-US" smtClean="0"/>
-              <a:t>12/18/2024</a:t>
+              <a:t>12/23/2024</a:t>
             </a:fld>
             <a:endParaRPr lang="en-US"/>
           </a:p>
@@ -1406,7 +1407,7 @@
           <a:p>
             <a:fld id="{B259BA5D-F0B8-425E-AF10-10BFF3D8B2AB}" type="datetimeFigureOut">
               <a:rPr lang="en-US" smtClean="0"/>
-              <a:t>12/18/2024</a:t>
+              <a:t>12/23/2024</a:t>
             </a:fld>
             <a:endParaRPr lang="en-US"/>
           </a:p>
@@ -1818,7 +1819,7 @@
           <a:p>
             <a:fld id="{B259BA5D-F0B8-425E-AF10-10BFF3D8B2AB}" type="datetimeFigureOut">
               <a:rPr lang="en-US" smtClean="0"/>
-              <a:t>12/18/2024</a:t>
+              <a:t>12/23/2024</a:t>
             </a:fld>
             <a:endParaRPr lang="en-US"/>
           </a:p>
@@ -1959,7 +1960,7 @@
           <a:p>
             <a:fld id="{B259BA5D-F0B8-425E-AF10-10BFF3D8B2AB}" type="datetimeFigureOut">
               <a:rPr lang="en-US" smtClean="0"/>
-              <a:t>12/18/2024</a:t>
+              <a:t>12/23/2024</a:t>
             </a:fld>
             <a:endParaRPr lang="en-US"/>
           </a:p>
@@ -2072,7 +2073,7 @@
           <a:p>
             <a:fld id="{B259BA5D-F0B8-425E-AF10-10BFF3D8B2AB}" type="datetimeFigureOut">
               <a:rPr lang="en-US" smtClean="0"/>
-              <a:t>12/18/2024</a:t>
+              <a:t>12/23/2024</a:t>
             </a:fld>
             <a:endParaRPr lang="en-US"/>
           </a:p>
@@ -2383,7 +2384,7 @@
           <a:p>
             <a:fld id="{B259BA5D-F0B8-425E-AF10-10BFF3D8B2AB}" type="datetimeFigureOut">
               <a:rPr lang="en-US" smtClean="0"/>
-              <a:t>12/18/2024</a:t>
+              <a:t>12/23/2024</a:t>
             </a:fld>
             <a:endParaRPr lang="en-US"/>
           </a:p>
@@ -2671,7 +2672,7 @@
           <a:p>
             <a:fld id="{B259BA5D-F0B8-425E-AF10-10BFF3D8B2AB}" type="datetimeFigureOut">
               <a:rPr lang="en-US" smtClean="0"/>
-              <a:t>12/18/2024</a:t>
+              <a:t>12/23/2024</a:t>
             </a:fld>
             <a:endParaRPr lang="en-US"/>
           </a:p>
@@ -2912,7 +2913,7 @@
           <a:p>
             <a:fld id="{B259BA5D-F0B8-425E-AF10-10BFF3D8B2AB}" type="datetimeFigureOut">
               <a:rPr lang="en-US" smtClean="0"/>
-              <a:t>12/18/2024</a:t>
+              <a:t>12/23/2024</a:t>
             </a:fld>
             <a:endParaRPr lang="en-US"/>
           </a:p>
@@ -4073,6 +4074,74 @@
 </p:sld>
 </file>
 
+<file path=ppt/slides/slide5.xml><?xml version="1.0" encoding="utf-8"?>
+<p:sld xmlns:a="http://schemas.openxmlformats.org/drawingml/2006/main" xmlns:r="http://schemas.openxmlformats.org/officeDocument/2006/relationships" xmlns:p="http://schemas.openxmlformats.org/presentationml/2006/main">
+  <p:cSld>
+    <p:spTree>
+      <p:nvGrpSpPr>
+        <p:cNvPr id="1" name=""/>
+        <p:cNvGrpSpPr/>
+        <p:nvPr/>
+      </p:nvGrpSpPr>
+      <p:grpSpPr>
+        <a:xfrm>
+          <a:off x="0" y="0"/>
+          <a:ext cx="0" cy="0"/>
+          <a:chOff x="0" y="0"/>
+          <a:chExt cx="0" cy="0"/>
+        </a:xfrm>
+      </p:grpSpPr>
+      <p:pic>
+        <p:nvPicPr>
+          <p:cNvPr id="3" name="Picture 2">
+            <a:extLst>
+              <a:ext uri="{FF2B5EF4-FFF2-40B4-BE49-F238E27FC236}">
+                <a16:creationId xmlns:a16="http://schemas.microsoft.com/office/drawing/2014/main" id="{79EE7E32-9255-4E51-9859-874D04983A3B}"/>
+              </a:ext>
+              <a:ext uri="{C183D7F6-B498-43B3-948B-1728B52AA6E4}">
+                <adec:decorative xmlns:adec="http://schemas.microsoft.com/office/drawing/2017/decorative" val="1"/>
+              </a:ext>
+            </a:extLst>
+          </p:cNvPr>
+          <p:cNvPicPr>
+            <a:picLocks noChangeAspect="1"/>
+          </p:cNvPicPr>
+          <p:nvPr/>
+        </p:nvPicPr>
+        <p:blipFill rotWithShape="1">
+          <a:blip r:embed="rId2">
+            <a:extLst>
+              <a:ext uri="{28A0092B-C50C-407E-A947-70E740481C1C}">
+                <a14:useLocalDpi xmlns:a14="http://schemas.microsoft.com/office/drawing/2010/main" val="0"/>
+              </a:ext>
+            </a:extLst>
+          </a:blip>
+          <a:srcRect l="27196" t="10033" r="16178" b="24080"/>
+          <a:stretch/>
+        </p:blipFill>
+        <p:spPr>
+          <a:xfrm>
+            <a:off x="0" y="0"/>
+            <a:ext cx="3671668" cy="2501901"/>
+          </a:xfrm>
+          <a:prstGeom prst="rect">
+            <a:avLst/>
+          </a:prstGeom>
+        </p:spPr>
+      </p:pic>
+    </p:spTree>
+    <p:extLst>
+      <p:ext uri="{BB962C8B-B14F-4D97-AF65-F5344CB8AC3E}">
+        <p14:creationId xmlns:p14="http://schemas.microsoft.com/office/powerpoint/2010/main" val="84955711"/>
+      </p:ext>
+    </p:extLst>
+  </p:cSld>
+  <p:clrMapOvr>
+    <a:masterClrMapping/>
+  </p:clrMapOvr>
+</p:sld>
+</file>
+
 <file path=ppt/theme/theme1.xml><?xml version="1.0" encoding="utf-8"?>
 <a:theme xmlns:a="http://schemas.openxmlformats.org/drawingml/2006/main" name="Office Theme">
   <a:themeElements>
